--- a/Morar, Cian C16460726 DT228.pptx
+++ b/Morar, Cian C16460726 DT228.pptx
@@ -18329,7 +18329,7 @@
           <a:p>
             <a:fld id="{3AFCF9F7-A4D3-4EDE-858D-84F8E324CAA3}" type="datetimeFigureOut">
               <a:rPr lang="en-IE" smtClean="0"/>
-              <a:t>15/12/2019</a:t>
+              <a:t>16/12/2019</a:t>
             </a:fld>
             <a:endParaRPr lang="en-IE"/>
           </a:p>
@@ -18919,7 +18919,7 @@
           <a:p>
             <a:fld id="{ED291B17-9318-49DB-B28B-6E5994AE9581}" type="datetime1">
               <a:rPr lang="en-US" smtClean="0"/>
-              <a:t>12/15/2019</a:t>
+              <a:t>12/16/2019</a:t>
             </a:fld>
             <a:endParaRPr lang="en-US" dirty="0"/>
           </a:p>
@@ -19122,7 +19122,7 @@
           <a:p>
             <a:fld id="{2CED4963-E985-44C4-B8C4-FDD613B7C2F8}" type="datetime1">
               <a:rPr lang="en-US" smtClean="0"/>
-              <a:t>12/15/2019</a:t>
+              <a:t>12/16/2019</a:t>
             </a:fld>
             <a:endParaRPr lang="en-US" dirty="0"/>
           </a:p>
@@ -19484,7 +19484,7 @@
           <a:p>
             <a:fld id="{ED291B17-9318-49DB-B28B-6E5994AE9581}" type="datetime1">
               <a:rPr lang="en-US" smtClean="0"/>
-              <a:t>12/15/2019</a:t>
+              <a:t>12/16/2019</a:t>
             </a:fld>
             <a:endParaRPr lang="en-US" dirty="0"/>
           </a:p>
@@ -19682,7 +19682,7 @@
           <a:p>
             <a:fld id="{78DD82B9-B8EE-4375-B6FF-88FA6ABB15D9}" type="datetime1">
               <a:rPr lang="en-US" smtClean="0"/>
-              <a:t>12/15/2019</a:t>
+              <a:t>12/16/2019</a:t>
             </a:fld>
             <a:endParaRPr lang="en-US" dirty="0"/>
           </a:p>
@@ -19994,7 +19994,7 @@
           <a:p>
             <a:fld id="{B2497495-0637-405E-AE64-5CC7506D51F5}" type="datetime1">
               <a:rPr lang="en-US" smtClean="0"/>
-              <a:t>12/15/2019</a:t>
+              <a:t>12/16/2019</a:t>
             </a:fld>
             <a:endParaRPr lang="en-US" dirty="0"/>
           </a:p>
@@ -20247,7 +20247,7 @@
           <a:p>
             <a:fld id="{7BFFD690-9426-415D-8B65-26881E07B2D4}" type="datetime1">
               <a:rPr lang="en-US" smtClean="0"/>
-              <a:t>12/15/2019</a:t>
+              <a:t>12/16/2019</a:t>
             </a:fld>
             <a:endParaRPr lang="en-US" dirty="0"/>
           </a:p>
@@ -20669,7 +20669,7 @@
           <a:p>
             <a:fld id="{04C4989A-474C-40DE-95B9-011C28B71673}" type="datetime1">
               <a:rPr lang="en-US" smtClean="0"/>
-              <a:t>12/15/2019</a:t>
+              <a:t>12/16/2019</a:t>
             </a:fld>
             <a:endParaRPr lang="en-US" dirty="0"/>
           </a:p>
@@ -20792,7 +20792,7 @@
           <a:p>
             <a:fld id="{5DB4ED54-5B5E-4A04-93D3-5772E3CE3818}" type="datetime1">
               <a:rPr lang="en-US" smtClean="0"/>
-              <a:t>12/15/2019</a:t>
+              <a:t>12/16/2019</a:t>
             </a:fld>
             <a:endParaRPr lang="en-US" dirty="0"/>
           </a:p>
@@ -20887,7 +20887,7 @@
           <a:p>
             <a:fld id="{4EDE50D6-574B-40AF-946F-D52A04ADE379}" type="datetime1">
               <a:rPr lang="en-US" smtClean="0"/>
-              <a:t>12/15/2019</a:t>
+              <a:t>12/16/2019</a:t>
             </a:fld>
             <a:endParaRPr lang="en-US" dirty="0"/>
           </a:p>
@@ -21264,7 +21264,7 @@
           <a:p>
             <a:fld id="{D82884F1-FFEA-405F-9602-3DCA865EDA4E}" type="datetime1">
               <a:rPr lang="en-US" smtClean="0"/>
-              <a:t>12/15/2019</a:t>
+              <a:t>12/16/2019</a:t>
             </a:fld>
             <a:endParaRPr lang="en-US" dirty="0"/>
           </a:p>
@@ -21557,7 +21557,7 @@
           <a:p>
             <a:fld id="{7E18DB4A-8810-4A10-AD5C-D5E2C667F5B3}" type="datetime1">
               <a:rPr lang="en-US" smtClean="0"/>
-              <a:t>12/15/2019</a:t>
+              <a:t>12/16/2019</a:t>
             </a:fld>
             <a:endParaRPr lang="en-US" dirty="0"/>
           </a:p>
@@ -21772,7 +21772,7 @@
           <a:p>
             <a:fld id="{ED291B17-9318-49DB-B28B-6E5994AE9581}" type="datetime1">
               <a:rPr lang="en-US" smtClean="0"/>
-              <a:t>12/15/2019</a:t>
+              <a:t>12/16/2019</a:t>
             </a:fld>
             <a:endParaRPr lang="en-US" dirty="0"/>
           </a:p>
@@ -22684,7 +22684,7 @@
               </a:lnSpc>
             </a:pPr>
             <a:r>
-              <a:rPr lang="en-IE" sz="1200"/>
+              <a:rPr lang="en-IE" sz="1200" dirty="0"/>
               <a:t>A machine LEARNING Approach diagnosing heart disease and diabetes</a:t>
             </a:r>
           </a:p>
@@ -22918,6 +22918,23 @@
                 </a:solidFill>
               </a:rPr>
               <a:t>, 36(4), pp. 338-48.</a:t>
+            </a:r>
+          </a:p>
+          <a:p>
+            <a:endParaRPr lang="en-IE" dirty="0">
+              <a:solidFill>
+                <a:schemeClr val="tx1"/>
+              </a:solidFill>
+            </a:endParaRPr>
+          </a:p>
+          <a:p>
+            <a:r>
+              <a:rPr lang="en-IE" dirty="0">
+                <a:solidFill>
+                  <a:schemeClr val="tx1"/>
+                </a:solidFill>
+              </a:rPr>
+              <a:t>Video Demonstration: https://youtu.be/SKYj_Pq9TfU</a:t>
             </a:r>
           </a:p>
           <a:p>
